--- a/media-source/bc24-upgrade-paths-v1.pptx
+++ b/media-source/bc24-upgrade-paths-v1.pptx
@@ -259,7 +259,7 @@
           <a:p>
             <a:fld id="{93EFB99A-F5C1-4B1D-AC53-9DE8DD400491}" type="datetimeFigureOut">
               <a:rPr lang="en-US" smtClean="0"/>
-              <a:t>2/9/2024</a:t>
+              <a:t>3/7/2024</a:t>
             </a:fld>
             <a:endParaRPr lang="en-US"/>
           </a:p>
@@ -457,7 +457,7 @@
           <a:p>
             <a:fld id="{93EFB99A-F5C1-4B1D-AC53-9DE8DD400491}" type="datetimeFigureOut">
               <a:rPr lang="en-US" smtClean="0"/>
-              <a:t>2/9/2024</a:t>
+              <a:t>3/7/2024</a:t>
             </a:fld>
             <a:endParaRPr lang="en-US"/>
           </a:p>
@@ -665,7 +665,7 @@
           <a:p>
             <a:fld id="{93EFB99A-F5C1-4B1D-AC53-9DE8DD400491}" type="datetimeFigureOut">
               <a:rPr lang="en-US" smtClean="0"/>
-              <a:t>2/9/2024</a:t>
+              <a:t>3/7/2024</a:t>
             </a:fld>
             <a:endParaRPr lang="en-US"/>
           </a:p>
@@ -863,7 +863,7 @@
           <a:p>
             <a:fld id="{93EFB99A-F5C1-4B1D-AC53-9DE8DD400491}" type="datetimeFigureOut">
               <a:rPr lang="en-US" smtClean="0"/>
-              <a:t>2/9/2024</a:t>
+              <a:t>3/7/2024</a:t>
             </a:fld>
             <a:endParaRPr lang="en-US"/>
           </a:p>
@@ -1138,7 +1138,7 @@
           <a:p>
             <a:fld id="{93EFB99A-F5C1-4B1D-AC53-9DE8DD400491}" type="datetimeFigureOut">
               <a:rPr lang="en-US" smtClean="0"/>
-              <a:t>2/9/2024</a:t>
+              <a:t>3/7/2024</a:t>
             </a:fld>
             <a:endParaRPr lang="en-US"/>
           </a:p>
@@ -1403,7 +1403,7 @@
           <a:p>
             <a:fld id="{93EFB99A-F5C1-4B1D-AC53-9DE8DD400491}" type="datetimeFigureOut">
               <a:rPr lang="en-US" smtClean="0"/>
-              <a:t>2/9/2024</a:t>
+              <a:t>3/7/2024</a:t>
             </a:fld>
             <a:endParaRPr lang="en-US"/>
           </a:p>
@@ -1815,7 +1815,7 @@
           <a:p>
             <a:fld id="{93EFB99A-F5C1-4B1D-AC53-9DE8DD400491}" type="datetimeFigureOut">
               <a:rPr lang="en-US" smtClean="0"/>
-              <a:t>2/9/2024</a:t>
+              <a:t>3/7/2024</a:t>
             </a:fld>
             <a:endParaRPr lang="en-US"/>
           </a:p>
@@ -1956,7 +1956,7 @@
           <a:p>
             <a:fld id="{93EFB99A-F5C1-4B1D-AC53-9DE8DD400491}" type="datetimeFigureOut">
               <a:rPr lang="en-US" smtClean="0"/>
-              <a:t>2/9/2024</a:t>
+              <a:t>3/7/2024</a:t>
             </a:fld>
             <a:endParaRPr lang="en-US"/>
           </a:p>
@@ -2069,7 +2069,7 @@
           <a:p>
             <a:fld id="{93EFB99A-F5C1-4B1D-AC53-9DE8DD400491}" type="datetimeFigureOut">
               <a:rPr lang="en-US" smtClean="0"/>
-              <a:t>2/9/2024</a:t>
+              <a:t>3/7/2024</a:t>
             </a:fld>
             <a:endParaRPr lang="en-US"/>
           </a:p>
@@ -2380,7 +2380,7 @@
           <a:p>
             <a:fld id="{93EFB99A-F5C1-4B1D-AC53-9DE8DD400491}" type="datetimeFigureOut">
               <a:rPr lang="en-US" smtClean="0"/>
-              <a:t>2/9/2024</a:t>
+              <a:t>3/7/2024</a:t>
             </a:fld>
             <a:endParaRPr lang="en-US"/>
           </a:p>
@@ -2668,7 +2668,7 @@
           <a:p>
             <a:fld id="{93EFB99A-F5C1-4B1D-AC53-9DE8DD400491}" type="datetimeFigureOut">
               <a:rPr lang="en-US" smtClean="0"/>
-              <a:t>2/9/2024</a:t>
+              <a:t>3/7/2024</a:t>
             </a:fld>
             <a:endParaRPr lang="en-US"/>
           </a:p>
@@ -2909,7 +2909,7 @@
           <a:p>
             <a:fld id="{93EFB99A-F5C1-4B1D-AC53-9DE8DD400491}" type="datetimeFigureOut">
               <a:rPr lang="en-US" smtClean="0"/>
-              <a:t>2/9/2024</a:t>
+              <a:t>3/7/2024</a:t>
             </a:fld>
             <a:endParaRPr lang="en-US"/>
           </a:p>
@@ -4290,104 +4290,6 @@
           </a:fontRef>
         </p:style>
       </p:cxnSp>
-      <p:cxnSp>
-        <p:nvCxnSpPr>
-          <p:cNvPr id="53" name="Straight Arrow Connector 35">
-            <a:extLst>
-              <a:ext uri="{FF2B5EF4-FFF2-40B4-BE49-F238E27FC236}">
-                <a16:creationId xmlns:a16="http://schemas.microsoft.com/office/drawing/2014/main" id="{D026AA14-0001-4D72-BAC0-81EEE501C21C}"/>
-              </a:ext>
-            </a:extLst>
-          </p:cNvPr>
-          <p:cNvCxnSpPr>
-            <a:cxnSpLocks/>
-          </p:cNvCxnSpPr>
-          <p:nvPr/>
-        </p:nvCxnSpPr>
-        <p:spPr>
-          <a:xfrm>
-            <a:off x="6683169" y="6310022"/>
-            <a:ext cx="1859656" cy="0"/>
-          </a:xfrm>
-          <a:prstGeom prst="straightConnector1">
-            <a:avLst/>
-          </a:prstGeom>
-          <a:ln w="25400">
-            <a:solidFill>
-              <a:schemeClr val="tx1"/>
-            </a:solidFill>
-            <a:tailEnd type="triangle"/>
-          </a:ln>
-        </p:spPr>
-        <p:style>
-          <a:lnRef idx="1">
-            <a:schemeClr val="accent3"/>
-          </a:lnRef>
-          <a:fillRef idx="0">
-            <a:schemeClr val="accent3"/>
-          </a:fillRef>
-          <a:effectRef idx="0">
-            <a:schemeClr val="accent3"/>
-          </a:effectRef>
-          <a:fontRef idx="minor">
-            <a:schemeClr val="tx1"/>
-          </a:fontRef>
-        </p:style>
-      </p:cxnSp>
-      <p:sp>
-        <p:nvSpPr>
-          <p:cNvPr id="39" name="Rutediagram: Magnetpladelager 38">
-            <a:extLst>
-              <a:ext uri="{FF2B5EF4-FFF2-40B4-BE49-F238E27FC236}">
-                <a16:creationId xmlns:a16="http://schemas.microsoft.com/office/drawing/2014/main" id="{B2CDD40A-1954-4147-A5B5-562BA2116841}"/>
-              </a:ext>
-            </a:extLst>
-          </p:cNvPr>
-          <p:cNvSpPr/>
-          <p:nvPr/>
-        </p:nvSpPr>
-        <p:spPr>
-          <a:xfrm>
-            <a:off x="8573401" y="5916408"/>
-            <a:ext cx="2064199" cy="849630"/>
-          </a:xfrm>
-          <a:prstGeom prst="flowChartMagneticDisk">
-            <a:avLst/>
-          </a:prstGeom>
-          <a:solidFill>
-            <a:srgbClr val="FF0000"/>
-          </a:solidFill>
-          <a:ln>
-            <a:solidFill>
-              <a:schemeClr val="bg1"/>
-            </a:solidFill>
-          </a:ln>
-        </p:spPr>
-        <p:style>
-          <a:lnRef idx="2">
-            <a:schemeClr val="accent1">
-              <a:shade val="50000"/>
-            </a:schemeClr>
-          </a:lnRef>
-          <a:fillRef idx="1">
-            <a:schemeClr val="accent1"/>
-          </a:fillRef>
-          <a:effectRef idx="0">
-            <a:schemeClr val="accent1"/>
-          </a:effectRef>
-          <a:fontRef idx="minor">
-            <a:schemeClr val="lt1"/>
-          </a:fontRef>
-        </p:style>
-        <p:txBody>
-          <a:bodyPr rtlCol="0" anchor="ctr"/>
-          <a:lstStyle/>
-          <a:p>
-            <a:pPr algn="ctr"/>
-            <a:endParaRPr lang="en-US" sz="1300" dirty="0"/>
-          </a:p>
-        </p:txBody>
-      </p:sp>
       <p:sp>
         <p:nvSpPr>
           <p:cNvPr id="69" name="Rutediagram: Magnetpladelager 68">
@@ -5234,42 +5136,6 @@
           </a:fontRef>
         </p:style>
       </p:cxnSp>
-      <p:sp>
-        <p:nvSpPr>
-          <p:cNvPr id="61" name="TextBox 66">
-            <a:extLst>
-              <a:ext uri="{FF2B5EF4-FFF2-40B4-BE49-F238E27FC236}">
-                <a16:creationId xmlns:a16="http://schemas.microsoft.com/office/drawing/2014/main" id="{4ECC6611-076A-4CE6-B84F-4C2FD46B4623}"/>
-              </a:ext>
-            </a:extLst>
-          </p:cNvPr>
-          <p:cNvSpPr txBox="1"/>
-          <p:nvPr/>
-        </p:nvSpPr>
-        <p:spPr>
-          <a:xfrm>
-            <a:off x="7068747" y="6362054"/>
-            <a:ext cx="1416866" cy="292388"/>
-          </a:xfrm>
-          <a:prstGeom prst="rect">
-            <a:avLst/>
-          </a:prstGeom>
-          <a:noFill/>
-        </p:spPr>
-        <p:txBody>
-          <a:bodyPr wrap="square" rtlCol="0">
-            <a:spAutoFit/>
-          </a:bodyPr>
-          <a:lstStyle/>
-          <a:p>
-            <a:r>
-              <a:rPr lang="da-DK" sz="1300" dirty="0"/>
-              <a:t>Technical Upgrade</a:t>
-            </a:r>
-            <a:endParaRPr lang="en-US" sz="1300" dirty="0"/>
-          </a:p>
-        </p:txBody>
-      </p:sp>
       <p:sp>
         <p:nvSpPr>
           <p:cNvPr id="62" name="TextBox 66">

--- a/media-source/bc24-upgrade-paths-v1.pptx
+++ b/media-source/bc24-upgrade-paths-v1.pptx
@@ -259,7 +259,7 @@
           <a:p>
             <a:fld id="{93EFB99A-F5C1-4B1D-AC53-9DE8DD400491}" type="datetimeFigureOut">
               <a:rPr lang="en-US" smtClean="0"/>
-              <a:t>3/7/2024</a:t>
+              <a:t>3/19/2024</a:t>
             </a:fld>
             <a:endParaRPr lang="en-US"/>
           </a:p>
@@ -457,7 +457,7 @@
           <a:p>
             <a:fld id="{93EFB99A-F5C1-4B1D-AC53-9DE8DD400491}" type="datetimeFigureOut">
               <a:rPr lang="en-US" smtClean="0"/>
-              <a:t>3/7/2024</a:t>
+              <a:t>3/19/2024</a:t>
             </a:fld>
             <a:endParaRPr lang="en-US"/>
           </a:p>
@@ -665,7 +665,7 @@
           <a:p>
             <a:fld id="{93EFB99A-F5C1-4B1D-AC53-9DE8DD400491}" type="datetimeFigureOut">
               <a:rPr lang="en-US" smtClean="0"/>
-              <a:t>3/7/2024</a:t>
+              <a:t>3/19/2024</a:t>
             </a:fld>
             <a:endParaRPr lang="en-US"/>
           </a:p>
@@ -863,7 +863,7 @@
           <a:p>
             <a:fld id="{93EFB99A-F5C1-4B1D-AC53-9DE8DD400491}" type="datetimeFigureOut">
               <a:rPr lang="en-US" smtClean="0"/>
-              <a:t>3/7/2024</a:t>
+              <a:t>3/19/2024</a:t>
             </a:fld>
             <a:endParaRPr lang="en-US"/>
           </a:p>
@@ -1138,7 +1138,7 @@
           <a:p>
             <a:fld id="{93EFB99A-F5C1-4B1D-AC53-9DE8DD400491}" type="datetimeFigureOut">
               <a:rPr lang="en-US" smtClean="0"/>
-              <a:t>3/7/2024</a:t>
+              <a:t>3/19/2024</a:t>
             </a:fld>
             <a:endParaRPr lang="en-US"/>
           </a:p>
@@ -1403,7 +1403,7 @@
           <a:p>
             <a:fld id="{93EFB99A-F5C1-4B1D-AC53-9DE8DD400491}" type="datetimeFigureOut">
               <a:rPr lang="en-US" smtClean="0"/>
-              <a:t>3/7/2024</a:t>
+              <a:t>3/19/2024</a:t>
             </a:fld>
             <a:endParaRPr lang="en-US"/>
           </a:p>
@@ -1815,7 +1815,7 @@
           <a:p>
             <a:fld id="{93EFB99A-F5C1-4B1D-AC53-9DE8DD400491}" type="datetimeFigureOut">
               <a:rPr lang="en-US" smtClean="0"/>
-              <a:t>3/7/2024</a:t>
+              <a:t>3/19/2024</a:t>
             </a:fld>
             <a:endParaRPr lang="en-US"/>
           </a:p>
@@ -1956,7 +1956,7 @@
           <a:p>
             <a:fld id="{93EFB99A-F5C1-4B1D-AC53-9DE8DD400491}" type="datetimeFigureOut">
               <a:rPr lang="en-US" smtClean="0"/>
-              <a:t>3/7/2024</a:t>
+              <a:t>3/19/2024</a:t>
             </a:fld>
             <a:endParaRPr lang="en-US"/>
           </a:p>
@@ -2069,7 +2069,7 @@
           <a:p>
             <a:fld id="{93EFB99A-F5C1-4B1D-AC53-9DE8DD400491}" type="datetimeFigureOut">
               <a:rPr lang="en-US" smtClean="0"/>
-              <a:t>3/7/2024</a:t>
+              <a:t>3/19/2024</a:t>
             </a:fld>
             <a:endParaRPr lang="en-US"/>
           </a:p>
@@ -2380,7 +2380,7 @@
           <a:p>
             <a:fld id="{93EFB99A-F5C1-4B1D-AC53-9DE8DD400491}" type="datetimeFigureOut">
               <a:rPr lang="en-US" smtClean="0"/>
-              <a:t>3/7/2024</a:t>
+              <a:t>3/19/2024</a:t>
             </a:fld>
             <a:endParaRPr lang="en-US"/>
           </a:p>
@@ -2668,7 +2668,7 @@
           <a:p>
             <a:fld id="{93EFB99A-F5C1-4B1D-AC53-9DE8DD400491}" type="datetimeFigureOut">
               <a:rPr lang="en-US" smtClean="0"/>
-              <a:t>3/7/2024</a:t>
+              <a:t>3/19/2024</a:t>
             </a:fld>
             <a:endParaRPr lang="en-US"/>
           </a:p>
@@ -2909,7 +2909,7 @@
           <a:p>
             <a:fld id="{93EFB99A-F5C1-4B1D-AC53-9DE8DD400491}" type="datetimeFigureOut">
               <a:rPr lang="en-US" smtClean="0"/>
-              <a:t>3/7/2024</a:t>
+              <a:t>3/19/2024</a:t>
             </a:fld>
             <a:endParaRPr lang="en-US"/>
           </a:p>
@@ -3655,7 +3655,7 @@
         </p:nvSpPr>
         <p:spPr>
           <a:xfrm>
-            <a:off x="4870396" y="1223564"/>
+            <a:off x="4870396" y="894382"/>
             <a:ext cx="976697" cy="751070"/>
           </a:xfrm>
           <a:prstGeom prst="rect">
@@ -3709,7 +3709,7 @@
         </p:nvSpPr>
         <p:spPr>
           <a:xfrm>
-            <a:off x="5867734" y="1223564"/>
+            <a:off x="5867734" y="894382"/>
             <a:ext cx="856452" cy="751070"/>
           </a:xfrm>
           <a:prstGeom prst="rect">
@@ -3824,44 +3824,6 @@
           </a:p>
         </p:txBody>
       </p:sp>
-      <p:cxnSp>
-        <p:nvCxnSpPr>
-          <p:cNvPr id="14" name="Straight Connector 13">
-            <a:extLst>
-              <a:ext uri="{FF2B5EF4-FFF2-40B4-BE49-F238E27FC236}">
-                <a16:creationId xmlns:a16="http://schemas.microsoft.com/office/drawing/2014/main" id="{1E5B8116-B11B-4B5E-ABDD-CA73A360B36F}"/>
-              </a:ext>
-            </a:extLst>
-          </p:cNvPr>
-          <p:cNvCxnSpPr>
-            <a:cxnSpLocks/>
-          </p:cNvCxnSpPr>
-          <p:nvPr/>
-        </p:nvCxnSpPr>
-        <p:spPr>
-          <a:xfrm>
-            <a:off x="6901945" y="0"/>
-            <a:ext cx="10205" cy="8282316"/>
-          </a:xfrm>
-          <a:prstGeom prst="line">
-            <a:avLst/>
-          </a:prstGeom>
-        </p:spPr>
-        <p:style>
-          <a:lnRef idx="1">
-            <a:schemeClr val="accent1"/>
-          </a:lnRef>
-          <a:fillRef idx="0">
-            <a:schemeClr val="accent1"/>
-          </a:fillRef>
-          <a:effectRef idx="0">
-            <a:schemeClr val="accent1"/>
-          </a:effectRef>
-          <a:fontRef idx="minor">
-            <a:schemeClr val="tx1"/>
-          </a:fontRef>
-        </p:style>
-      </p:cxnSp>
       <p:sp>
         <p:nvSpPr>
           <p:cNvPr id="21" name="Arrow: Left 20">
@@ -3877,94 +3839,6 @@
         <p:spPr>
           <a:xfrm>
             <a:off x="5726216" y="1486151"/>
-            <a:ext cx="120878" cy="100666"/>
-          </a:xfrm>
-          <a:prstGeom prst="leftArrow">
-            <a:avLst/>
-          </a:prstGeom>
-        </p:spPr>
-        <p:style>
-          <a:lnRef idx="3">
-            <a:schemeClr val="lt1"/>
-          </a:lnRef>
-          <a:fillRef idx="1">
-            <a:schemeClr val="accent3"/>
-          </a:fillRef>
-          <a:effectRef idx="1">
-            <a:schemeClr val="accent3"/>
-          </a:effectRef>
-          <a:fontRef idx="minor">
-            <a:schemeClr val="lt1"/>
-          </a:fontRef>
-        </p:style>
-        <p:txBody>
-          <a:bodyPr rtlCol="0" anchor="ctr"/>
-          <a:lstStyle/>
-          <a:p>
-            <a:pPr algn="ctr"/>
-            <a:endParaRPr lang="en-US" sz="1300"/>
-          </a:p>
-        </p:txBody>
-      </p:sp>
-      <p:sp>
-        <p:nvSpPr>
-          <p:cNvPr id="23" name="Arrow: Left 22">
-            <a:extLst>
-              <a:ext uri="{FF2B5EF4-FFF2-40B4-BE49-F238E27FC236}">
-                <a16:creationId xmlns:a16="http://schemas.microsoft.com/office/drawing/2014/main" id="{9427C40F-5DAD-4EDD-8360-CE403D439B40}"/>
-              </a:ext>
-            </a:extLst>
-          </p:cNvPr>
-          <p:cNvSpPr/>
-          <p:nvPr/>
-        </p:nvSpPr>
-        <p:spPr>
-          <a:xfrm rot="16200000">
-            <a:off x="5282306" y="1924301"/>
-            <a:ext cx="120878" cy="100666"/>
-          </a:xfrm>
-          <a:prstGeom prst="leftArrow">
-            <a:avLst/>
-          </a:prstGeom>
-        </p:spPr>
-        <p:style>
-          <a:lnRef idx="3">
-            <a:schemeClr val="lt1"/>
-          </a:lnRef>
-          <a:fillRef idx="1">
-            <a:schemeClr val="accent3"/>
-          </a:fillRef>
-          <a:effectRef idx="1">
-            <a:schemeClr val="accent3"/>
-          </a:effectRef>
-          <a:fontRef idx="minor">
-            <a:schemeClr val="lt1"/>
-          </a:fontRef>
-        </p:style>
-        <p:txBody>
-          <a:bodyPr rtlCol="0" anchor="ctr"/>
-          <a:lstStyle/>
-          <a:p>
-            <a:pPr algn="ctr"/>
-            <a:endParaRPr lang="en-US" sz="1300"/>
-          </a:p>
-        </p:txBody>
-      </p:sp>
-      <p:sp>
-        <p:nvSpPr>
-          <p:cNvPr id="24" name="Arrow: Left 23">
-            <a:extLst>
-              <a:ext uri="{FF2B5EF4-FFF2-40B4-BE49-F238E27FC236}">
-                <a16:creationId xmlns:a16="http://schemas.microsoft.com/office/drawing/2014/main" id="{9080405E-304C-4E7A-87C0-C0A8C5C6DE97}"/>
-              </a:ext>
-            </a:extLst>
-          </p:cNvPr>
-          <p:cNvSpPr/>
-          <p:nvPr/>
-        </p:nvSpPr>
-        <p:spPr>
-          <a:xfrm rot="16200000">
-            <a:off x="6183539" y="1924301"/>
             <a:ext cx="120878" cy="100666"/>
           </a:xfrm>
           <a:prstGeom prst="leftArrow">
@@ -4350,60 +4224,6 @@
       </p:sp>
       <p:sp>
         <p:nvSpPr>
-          <p:cNvPr id="70" name="Rutediagram: Magnetpladelager 69">
-            <a:extLst>
-              <a:ext uri="{FF2B5EF4-FFF2-40B4-BE49-F238E27FC236}">
-                <a16:creationId xmlns:a16="http://schemas.microsoft.com/office/drawing/2014/main" id="{20633D74-3DF8-44FB-9D0E-378CE113EE83}"/>
-              </a:ext>
-            </a:extLst>
-          </p:cNvPr>
-          <p:cNvSpPr/>
-          <p:nvPr/>
-        </p:nvSpPr>
-        <p:spPr>
-          <a:xfrm>
-            <a:off x="8485614" y="1417240"/>
-            <a:ext cx="2100003" cy="662294"/>
-          </a:xfrm>
-          <a:prstGeom prst="flowChartMagneticDisk">
-            <a:avLst/>
-          </a:prstGeom>
-          <a:solidFill>
-            <a:schemeClr val="accent6"/>
-          </a:solidFill>
-          <a:ln>
-            <a:solidFill>
-              <a:schemeClr val="bg1"/>
-            </a:solidFill>
-          </a:ln>
-        </p:spPr>
-        <p:style>
-          <a:lnRef idx="2">
-            <a:schemeClr val="accent1">
-              <a:shade val="50000"/>
-            </a:schemeClr>
-          </a:lnRef>
-          <a:fillRef idx="1">
-            <a:schemeClr val="accent1"/>
-          </a:fillRef>
-          <a:effectRef idx="0">
-            <a:schemeClr val="accent1"/>
-          </a:effectRef>
-          <a:fontRef idx="minor">
-            <a:schemeClr val="lt1"/>
-          </a:fontRef>
-        </p:style>
-        <p:txBody>
-          <a:bodyPr rtlCol="0" anchor="ctr"/>
-          <a:lstStyle/>
-          <a:p>
-            <a:pPr algn="ctr"/>
-            <a:endParaRPr lang="en-US" sz="1300" dirty="0"/>
-          </a:p>
-        </p:txBody>
-      </p:sp>
-      <p:sp>
-        <p:nvSpPr>
           <p:cNvPr id="82" name="TextBox 66">
             <a:extLst>
               <a:ext uri="{FF2B5EF4-FFF2-40B4-BE49-F238E27FC236}">
@@ -5174,10 +4994,10 @@
       </p:sp>
       <p:sp>
         <p:nvSpPr>
-          <p:cNvPr id="67" name="Rutediagram: Magnetpladelager 66">
-            <a:extLst>
-              <a:ext uri="{FF2B5EF4-FFF2-40B4-BE49-F238E27FC236}">
-                <a16:creationId xmlns:a16="http://schemas.microsoft.com/office/drawing/2014/main" id="{6F80BBBC-0FF3-4D53-A3FF-864DFEB77445}"/>
+          <p:cNvPr id="2" name="Rectangle 1">
+            <a:extLst>
+              <a:ext uri="{FF2B5EF4-FFF2-40B4-BE49-F238E27FC236}">
+                <a16:creationId xmlns:a16="http://schemas.microsoft.com/office/drawing/2014/main" id="{A2F35566-8576-665B-5021-C658BBB6A6F3}"/>
               </a:ext>
             </a:extLst>
           </p:cNvPr>
@@ -5186,7 +5006,343 @@
         </p:nvSpPr>
         <p:spPr>
           <a:xfrm>
-            <a:off x="8485612" y="1236838"/>
+            <a:off x="4870401" y="1651541"/>
+            <a:ext cx="1847151" cy="310683"/>
+          </a:xfrm>
+          <a:prstGeom prst="rect">
+            <a:avLst/>
+          </a:prstGeom>
+          <a:solidFill>
+            <a:schemeClr val="tx1"/>
+          </a:solidFill>
+        </p:spPr>
+        <p:style>
+          <a:lnRef idx="2">
+            <a:schemeClr val="accent1">
+              <a:shade val="50000"/>
+            </a:schemeClr>
+          </a:lnRef>
+          <a:fillRef idx="1">
+            <a:schemeClr val="accent1"/>
+          </a:fillRef>
+          <a:effectRef idx="0">
+            <a:schemeClr val="accent1"/>
+          </a:effectRef>
+          <a:fontRef idx="minor">
+            <a:schemeClr val="lt1"/>
+          </a:fontRef>
+        </p:style>
+        <p:txBody>
+          <a:bodyPr rtlCol="0" anchor="ctr"/>
+          <a:lstStyle/>
+          <a:p>
+            <a:pPr algn="ctr"/>
+            <a:r>
+              <a:rPr lang="en-US" sz="1300" dirty="0"/>
+              <a:t>Business Foundation</a:t>
+            </a:r>
+          </a:p>
+        </p:txBody>
+      </p:sp>
+      <p:sp>
+        <p:nvSpPr>
+          <p:cNvPr id="3" name="Arrow: Left 2">
+            <a:extLst>
+              <a:ext uri="{FF2B5EF4-FFF2-40B4-BE49-F238E27FC236}">
+                <a16:creationId xmlns:a16="http://schemas.microsoft.com/office/drawing/2014/main" id="{0C067D87-0F66-3465-66EC-3515D3133F62}"/>
+              </a:ext>
+            </a:extLst>
+          </p:cNvPr>
+          <p:cNvSpPr/>
+          <p:nvPr/>
+        </p:nvSpPr>
+        <p:spPr>
+          <a:xfrm rot="16200000">
+            <a:off x="5282306" y="1601208"/>
+            <a:ext cx="120878" cy="100666"/>
+          </a:xfrm>
+          <a:prstGeom prst="leftArrow">
+            <a:avLst/>
+          </a:prstGeom>
+        </p:spPr>
+        <p:style>
+          <a:lnRef idx="3">
+            <a:schemeClr val="lt1"/>
+          </a:lnRef>
+          <a:fillRef idx="1">
+            <a:schemeClr val="accent3"/>
+          </a:fillRef>
+          <a:effectRef idx="1">
+            <a:schemeClr val="accent3"/>
+          </a:effectRef>
+          <a:fontRef idx="minor">
+            <a:schemeClr val="lt1"/>
+          </a:fontRef>
+        </p:style>
+        <p:txBody>
+          <a:bodyPr rtlCol="0" anchor="ctr"/>
+          <a:lstStyle/>
+          <a:p>
+            <a:pPr algn="ctr"/>
+            <a:endParaRPr lang="en-US" sz="1300"/>
+          </a:p>
+        </p:txBody>
+      </p:sp>
+      <p:sp>
+        <p:nvSpPr>
+          <p:cNvPr id="5" name="Arrow: Left 4">
+            <a:extLst>
+              <a:ext uri="{FF2B5EF4-FFF2-40B4-BE49-F238E27FC236}">
+                <a16:creationId xmlns:a16="http://schemas.microsoft.com/office/drawing/2014/main" id="{296BDCEF-2053-1DEA-1D0F-AE5A9D2684E7}"/>
+              </a:ext>
+            </a:extLst>
+          </p:cNvPr>
+          <p:cNvSpPr/>
+          <p:nvPr/>
+        </p:nvSpPr>
+        <p:spPr>
+          <a:xfrm rot="16200000">
+            <a:off x="6183539" y="1601208"/>
+            <a:ext cx="120878" cy="100666"/>
+          </a:xfrm>
+          <a:prstGeom prst="leftArrow">
+            <a:avLst/>
+          </a:prstGeom>
+        </p:spPr>
+        <p:style>
+          <a:lnRef idx="3">
+            <a:schemeClr val="lt1"/>
+          </a:lnRef>
+          <a:fillRef idx="1">
+            <a:schemeClr val="accent3"/>
+          </a:fillRef>
+          <a:effectRef idx="1">
+            <a:schemeClr val="accent3"/>
+          </a:effectRef>
+          <a:fontRef idx="minor">
+            <a:schemeClr val="lt1"/>
+          </a:fontRef>
+        </p:style>
+        <p:txBody>
+          <a:bodyPr rtlCol="0" anchor="ctr"/>
+          <a:lstStyle/>
+          <a:p>
+            <a:pPr algn="ctr"/>
+            <a:endParaRPr lang="en-US" sz="1300"/>
+          </a:p>
+        </p:txBody>
+      </p:sp>
+      <p:sp>
+        <p:nvSpPr>
+          <p:cNvPr id="24" name="Arrow: Left 23">
+            <a:extLst>
+              <a:ext uri="{FF2B5EF4-FFF2-40B4-BE49-F238E27FC236}">
+                <a16:creationId xmlns:a16="http://schemas.microsoft.com/office/drawing/2014/main" id="{9080405E-304C-4E7A-87C0-C0A8C5C6DE97}"/>
+              </a:ext>
+            </a:extLst>
+          </p:cNvPr>
+          <p:cNvSpPr/>
+          <p:nvPr/>
+        </p:nvSpPr>
+        <p:spPr>
+          <a:xfrm rot="16200000">
+            <a:off x="6183539" y="1924301"/>
+            <a:ext cx="120878" cy="100666"/>
+          </a:xfrm>
+          <a:prstGeom prst="leftArrow">
+            <a:avLst/>
+          </a:prstGeom>
+        </p:spPr>
+        <p:style>
+          <a:lnRef idx="3">
+            <a:schemeClr val="lt1"/>
+          </a:lnRef>
+          <a:fillRef idx="1">
+            <a:schemeClr val="accent3"/>
+          </a:fillRef>
+          <a:effectRef idx="1">
+            <a:schemeClr val="accent3"/>
+          </a:effectRef>
+          <a:fontRef idx="minor">
+            <a:schemeClr val="lt1"/>
+          </a:fontRef>
+        </p:style>
+        <p:txBody>
+          <a:bodyPr rtlCol="0" anchor="ctr"/>
+          <a:lstStyle/>
+          <a:p>
+            <a:pPr algn="ctr"/>
+            <a:endParaRPr lang="en-US" sz="1300"/>
+          </a:p>
+        </p:txBody>
+      </p:sp>
+      <p:sp>
+        <p:nvSpPr>
+          <p:cNvPr id="23" name="Arrow: Left 22">
+            <a:extLst>
+              <a:ext uri="{FF2B5EF4-FFF2-40B4-BE49-F238E27FC236}">
+                <a16:creationId xmlns:a16="http://schemas.microsoft.com/office/drawing/2014/main" id="{9427C40F-5DAD-4EDD-8360-CE403D439B40}"/>
+              </a:ext>
+            </a:extLst>
+          </p:cNvPr>
+          <p:cNvSpPr/>
+          <p:nvPr/>
+        </p:nvSpPr>
+        <p:spPr>
+          <a:xfrm rot="16200000">
+            <a:off x="5282306" y="1924301"/>
+            <a:ext cx="120878" cy="100666"/>
+          </a:xfrm>
+          <a:prstGeom prst="leftArrow">
+            <a:avLst/>
+          </a:prstGeom>
+        </p:spPr>
+        <p:style>
+          <a:lnRef idx="3">
+            <a:schemeClr val="lt1"/>
+          </a:lnRef>
+          <a:fillRef idx="1">
+            <a:schemeClr val="accent3"/>
+          </a:fillRef>
+          <a:effectRef idx="1">
+            <a:schemeClr val="accent3"/>
+          </a:effectRef>
+          <a:fontRef idx="minor">
+            <a:schemeClr val="lt1"/>
+          </a:fontRef>
+        </p:style>
+        <p:txBody>
+          <a:bodyPr rtlCol="0" anchor="ctr"/>
+          <a:lstStyle/>
+          <a:p>
+            <a:pPr algn="ctr"/>
+            <a:endParaRPr lang="en-US" sz="1300"/>
+          </a:p>
+        </p:txBody>
+      </p:sp>
+      <p:sp>
+        <p:nvSpPr>
+          <p:cNvPr id="15" name="Rutediagram: Magnetpladelager 69">
+            <a:extLst>
+              <a:ext uri="{FF2B5EF4-FFF2-40B4-BE49-F238E27FC236}">
+                <a16:creationId xmlns:a16="http://schemas.microsoft.com/office/drawing/2014/main" id="{67A11A50-F65B-A81A-D1A1-F3EE93D4C459}"/>
+              </a:ext>
+            </a:extLst>
+          </p:cNvPr>
+          <p:cNvSpPr/>
+          <p:nvPr/>
+        </p:nvSpPr>
+        <p:spPr>
+          <a:xfrm>
+            <a:off x="8496545" y="1382706"/>
+            <a:ext cx="2100003" cy="518446"/>
+          </a:xfrm>
+          <a:prstGeom prst="flowChartMagneticDisk">
+            <a:avLst/>
+          </a:prstGeom>
+          <a:solidFill>
+            <a:schemeClr val="tx1"/>
+          </a:solidFill>
+          <a:ln>
+            <a:solidFill>
+              <a:schemeClr val="bg1"/>
+            </a:solidFill>
+          </a:ln>
+        </p:spPr>
+        <p:style>
+          <a:lnRef idx="2">
+            <a:schemeClr val="accent1">
+              <a:shade val="50000"/>
+            </a:schemeClr>
+          </a:lnRef>
+          <a:fillRef idx="1">
+            <a:schemeClr val="accent1"/>
+          </a:fillRef>
+          <a:effectRef idx="0">
+            <a:schemeClr val="accent1"/>
+          </a:effectRef>
+          <a:fontRef idx="minor">
+            <a:schemeClr val="lt1"/>
+          </a:fontRef>
+        </p:style>
+        <p:txBody>
+          <a:bodyPr rtlCol="0" anchor="ctr"/>
+          <a:lstStyle/>
+          <a:p>
+            <a:pPr algn="ctr"/>
+            <a:endParaRPr lang="en-US" sz="1300" dirty="0"/>
+          </a:p>
+        </p:txBody>
+      </p:sp>
+      <p:sp>
+        <p:nvSpPr>
+          <p:cNvPr id="70" name="Rutediagram: Magnetpladelager 69">
+            <a:extLst>
+              <a:ext uri="{FF2B5EF4-FFF2-40B4-BE49-F238E27FC236}">
+                <a16:creationId xmlns:a16="http://schemas.microsoft.com/office/drawing/2014/main" id="{20633D74-3DF8-44FB-9D0E-378CE113EE83}"/>
+              </a:ext>
+            </a:extLst>
+          </p:cNvPr>
+          <p:cNvSpPr/>
+          <p:nvPr/>
+        </p:nvSpPr>
+        <p:spPr>
+          <a:xfrm>
+            <a:off x="8485614" y="936249"/>
+            <a:ext cx="2100003" cy="662294"/>
+          </a:xfrm>
+          <a:prstGeom prst="flowChartMagneticDisk">
+            <a:avLst/>
+          </a:prstGeom>
+          <a:solidFill>
+            <a:schemeClr val="accent6"/>
+          </a:solidFill>
+          <a:ln>
+            <a:solidFill>
+              <a:schemeClr val="bg1"/>
+            </a:solidFill>
+          </a:ln>
+        </p:spPr>
+        <p:style>
+          <a:lnRef idx="2">
+            <a:schemeClr val="accent1">
+              <a:shade val="50000"/>
+            </a:schemeClr>
+          </a:lnRef>
+          <a:fillRef idx="1">
+            <a:schemeClr val="accent1"/>
+          </a:fillRef>
+          <a:effectRef idx="0">
+            <a:schemeClr val="accent1"/>
+          </a:effectRef>
+          <a:fontRef idx="minor">
+            <a:schemeClr val="lt1"/>
+          </a:fontRef>
+        </p:style>
+        <p:txBody>
+          <a:bodyPr rtlCol="0" anchor="ctr"/>
+          <a:lstStyle/>
+          <a:p>
+            <a:pPr algn="ctr"/>
+            <a:endParaRPr lang="en-US" sz="1300" dirty="0"/>
+          </a:p>
+        </p:txBody>
+      </p:sp>
+      <p:sp>
+        <p:nvSpPr>
+          <p:cNvPr id="67" name="Rutediagram: Magnetpladelager 66">
+            <a:extLst>
+              <a:ext uri="{FF2B5EF4-FFF2-40B4-BE49-F238E27FC236}">
+                <a16:creationId xmlns:a16="http://schemas.microsoft.com/office/drawing/2014/main" id="{6F80BBBC-0FF3-4D53-A3FF-864DFEB77445}"/>
+              </a:ext>
+            </a:extLst>
+          </p:cNvPr>
+          <p:cNvSpPr/>
+          <p:nvPr/>
+        </p:nvSpPr>
+        <p:spPr>
+          <a:xfrm>
+            <a:off x="8485612" y="755847"/>
             <a:ext cx="2114043" cy="408870"/>
           </a:xfrm>
           <a:prstGeom prst="flowChartMagneticDisk">
